--- a/docs/fig/figs.pptx
+++ b/docs/fig/figs.pptx
@@ -245,7 +245,7 @@
           <a:p>
             <a:fld id="{6ECB69FD-FF2F-4B0F-9A29-773FAA322498}" type="datetimeFigureOut">
               <a:rPr lang="en-US" smtClean="0"/>
-              <a:t>4/19/2021</a:t>
+              <a:t>5/2/2021</a:t>
             </a:fld>
             <a:endParaRPr lang="en-US"/>
           </a:p>
@@ -415,7 +415,7 @@
           <a:p>
             <a:fld id="{6ECB69FD-FF2F-4B0F-9A29-773FAA322498}" type="datetimeFigureOut">
               <a:rPr lang="en-US" smtClean="0"/>
-              <a:t>4/19/2021</a:t>
+              <a:t>5/2/2021</a:t>
             </a:fld>
             <a:endParaRPr lang="en-US"/>
           </a:p>
@@ -595,7 +595,7 @@
           <a:p>
             <a:fld id="{6ECB69FD-FF2F-4B0F-9A29-773FAA322498}" type="datetimeFigureOut">
               <a:rPr lang="en-US" smtClean="0"/>
-              <a:t>4/19/2021</a:t>
+              <a:t>5/2/2021</a:t>
             </a:fld>
             <a:endParaRPr lang="en-US"/>
           </a:p>
@@ -765,7 +765,7 @@
           <a:p>
             <a:fld id="{6ECB69FD-FF2F-4B0F-9A29-773FAA322498}" type="datetimeFigureOut">
               <a:rPr lang="en-US" smtClean="0"/>
-              <a:t>4/19/2021</a:t>
+              <a:t>5/2/2021</a:t>
             </a:fld>
             <a:endParaRPr lang="en-US"/>
           </a:p>
@@ -1011,7 +1011,7 @@
           <a:p>
             <a:fld id="{6ECB69FD-FF2F-4B0F-9A29-773FAA322498}" type="datetimeFigureOut">
               <a:rPr lang="en-US" smtClean="0"/>
-              <a:t>4/19/2021</a:t>
+              <a:t>5/2/2021</a:t>
             </a:fld>
             <a:endParaRPr lang="en-US"/>
           </a:p>
@@ -1243,7 +1243,7 @@
           <a:p>
             <a:fld id="{6ECB69FD-FF2F-4B0F-9A29-773FAA322498}" type="datetimeFigureOut">
               <a:rPr lang="en-US" smtClean="0"/>
-              <a:t>4/19/2021</a:t>
+              <a:t>5/2/2021</a:t>
             </a:fld>
             <a:endParaRPr lang="en-US"/>
           </a:p>
@@ -1610,7 +1610,7 @@
           <a:p>
             <a:fld id="{6ECB69FD-FF2F-4B0F-9A29-773FAA322498}" type="datetimeFigureOut">
               <a:rPr lang="en-US" smtClean="0"/>
-              <a:t>4/19/2021</a:t>
+              <a:t>5/2/2021</a:t>
             </a:fld>
             <a:endParaRPr lang="en-US"/>
           </a:p>
@@ -1728,7 +1728,7 @@
           <a:p>
             <a:fld id="{6ECB69FD-FF2F-4B0F-9A29-773FAA322498}" type="datetimeFigureOut">
               <a:rPr lang="en-US" smtClean="0"/>
-              <a:t>4/19/2021</a:t>
+              <a:t>5/2/2021</a:t>
             </a:fld>
             <a:endParaRPr lang="en-US"/>
           </a:p>
@@ -1823,7 +1823,7 @@
           <a:p>
             <a:fld id="{6ECB69FD-FF2F-4B0F-9A29-773FAA322498}" type="datetimeFigureOut">
               <a:rPr lang="en-US" smtClean="0"/>
-              <a:t>4/19/2021</a:t>
+              <a:t>5/2/2021</a:t>
             </a:fld>
             <a:endParaRPr lang="en-US"/>
           </a:p>
@@ -2100,7 +2100,7 @@
           <a:p>
             <a:fld id="{6ECB69FD-FF2F-4B0F-9A29-773FAA322498}" type="datetimeFigureOut">
               <a:rPr lang="en-US" smtClean="0"/>
-              <a:t>4/19/2021</a:t>
+              <a:t>5/2/2021</a:t>
             </a:fld>
             <a:endParaRPr lang="en-US"/>
           </a:p>
@@ -2353,7 +2353,7 @@
           <a:p>
             <a:fld id="{6ECB69FD-FF2F-4B0F-9A29-773FAA322498}" type="datetimeFigureOut">
               <a:rPr lang="en-US" smtClean="0"/>
-              <a:t>4/19/2021</a:t>
+              <a:t>5/2/2021</a:t>
             </a:fld>
             <a:endParaRPr lang="en-US"/>
           </a:p>
@@ -2566,7 +2566,7 @@
           <a:p>
             <a:fld id="{6ECB69FD-FF2F-4B0F-9A29-773FAA322498}" type="datetimeFigureOut">
               <a:rPr lang="en-US" smtClean="0"/>
-              <a:t>4/19/2021</a:t>
+              <a:t>5/2/2021</a:t>
             </a:fld>
             <a:endParaRPr lang="en-US"/>
           </a:p>
@@ -2973,16 +2973,16 @@
       </p:grpSpPr>
       <p:grpSp>
         <p:nvGrpSpPr>
-          <p:cNvPr id="13" name="Group 12"/>
+          <p:cNvPr id="2" name="Group 1"/>
           <p:cNvGrpSpPr/>
           <p:nvPr/>
         </p:nvGrpSpPr>
         <p:grpSpPr>
           <a:xfrm>
             <a:off x="0" y="582455"/>
-            <a:ext cx="13660319" cy="5710724"/>
+            <a:ext cx="15061229" cy="5710724"/>
             <a:chOff x="0" y="582455"/>
-            <a:chExt cx="13660319" cy="5710724"/>
+            <a:chExt cx="15061229" cy="5710724"/>
           </a:xfrm>
         </p:grpSpPr>
         <p:sp>
@@ -2993,7 +2993,7 @@
           </p:nvSpPr>
           <p:spPr>
             <a:xfrm>
-              <a:off x="0" y="1044122"/>
+              <a:off x="2778370" y="1044120"/>
               <a:ext cx="1389185" cy="967155"/>
             </a:xfrm>
             <a:prstGeom prst="rect">
@@ -3069,7 +3069,7 @@
           </p:nvSpPr>
           <p:spPr>
             <a:xfrm>
-              <a:off x="1389185" y="1044122"/>
+              <a:off x="4167555" y="1044120"/>
               <a:ext cx="1389185" cy="967155"/>
             </a:xfrm>
             <a:prstGeom prst="rect">
@@ -3145,7 +3145,7 @@
           </p:nvSpPr>
           <p:spPr>
             <a:xfrm>
-              <a:off x="2778370" y="1044121"/>
+              <a:off x="5556740" y="1044119"/>
               <a:ext cx="1389185" cy="967155"/>
             </a:xfrm>
             <a:prstGeom prst="rect">
@@ -3221,7 +3221,7 @@
           </p:nvSpPr>
           <p:spPr>
             <a:xfrm>
-              <a:off x="4167555" y="1044121"/>
+              <a:off x="6945925" y="1044119"/>
               <a:ext cx="1389185" cy="967155"/>
             </a:xfrm>
             <a:prstGeom prst="rect">
@@ -3319,25 +3319,15 @@
                     </a:schemeClr>
                   </a:solidFill>
                 </a:rPr>
-                <a:t>state</a:t>
-              </a:r>
-              <a:r>
-                <a:rPr lang="en-US" sz="2400" b="1" i="1" dirty="0" smtClean="0">
-                  <a:solidFill>
-                    <a:schemeClr val="accent5">
-                      <a:lumMod val="75000"/>
-                    </a:schemeClr>
-                  </a:solidFill>
-                </a:rPr>
-                <a:t>s</a:t>
+                <a:t>states</a:t>
               </a:r>
               <a:r>
                 <a:rPr lang="en-US" sz="2400" dirty="0" smtClean="0"/>
-                <a:t>(size</a:t>
+                <a:t>(size: </a:t>
               </a:r>
               <a:r>
                 <a:rPr lang="en-US" sz="2400" dirty="0" smtClean="0"/>
-                <a:t>: 12)</a:t>
+                <a:t>14)</a:t>
               </a:r>
               <a:endParaRPr lang="en-US" sz="2400" dirty="0"/>
             </a:p>
@@ -4727,7 +4717,7 @@
           </p:nvSpPr>
           <p:spPr>
             <a:xfrm>
-              <a:off x="6937134" y="1044121"/>
+              <a:off x="9715504" y="1044119"/>
               <a:ext cx="1389185" cy="967155"/>
             </a:xfrm>
             <a:prstGeom prst="rect">
@@ -4803,7 +4793,7 @@
           </p:nvSpPr>
           <p:spPr>
             <a:xfrm>
-              <a:off x="8818688" y="1343032"/>
+              <a:off x="11597058" y="1343030"/>
               <a:ext cx="694592" cy="369332"/>
             </a:xfrm>
             <a:prstGeom prst="rect">
@@ -4833,7 +4823,7 @@
           </p:nvSpPr>
           <p:spPr>
             <a:xfrm>
-              <a:off x="9706713" y="1044120"/>
+              <a:off x="12485083" y="1044118"/>
               <a:ext cx="1389185" cy="967155"/>
             </a:xfrm>
             <a:prstGeom prst="rect">
@@ -4909,7 +4899,7 @@
           </p:nvSpPr>
           <p:spPr>
             <a:xfrm>
-              <a:off x="11588267" y="1343031"/>
+              <a:off x="14366637" y="1343029"/>
               <a:ext cx="694592" cy="369332"/>
             </a:xfrm>
             <a:prstGeom prst="rect">
@@ -4939,7 +4929,7 @@
           </p:nvSpPr>
           <p:spPr>
             <a:xfrm>
-              <a:off x="5556740" y="1044841"/>
+              <a:off x="8335110" y="1044839"/>
               <a:ext cx="1389185" cy="967155"/>
             </a:xfrm>
             <a:prstGeom prst="rect">
@@ -4998,6 +4988,158 @@
                   </a:solidFill>
                 </a:rPr>
                 <a:t>Temp</a:t>
+              </a:r>
+              <a:endParaRPr lang="en-US" dirty="0">
+                <a:solidFill>
+                  <a:schemeClr val="tx1"/>
+                </a:solidFill>
+              </a:endParaRPr>
+            </a:p>
+          </p:txBody>
+        </p:sp>
+        <p:sp>
+          <p:nvSpPr>
+            <p:cNvPr id="45" name="Rectangle 44"/>
+            <p:cNvSpPr/>
+            <p:nvPr/>
+          </p:nvSpPr>
+          <p:spPr>
+            <a:xfrm>
+              <a:off x="0" y="1044839"/>
+              <a:ext cx="1389185" cy="967155"/>
+            </a:xfrm>
+            <a:prstGeom prst="rect">
+              <a:avLst/>
+            </a:prstGeom>
+            <a:solidFill>
+              <a:schemeClr val="accent1">
+                <a:lumMod val="60000"/>
+                <a:lumOff val="40000"/>
+              </a:schemeClr>
+            </a:solidFill>
+            <a:ln w="28575">
+              <a:solidFill>
+                <a:schemeClr val="accent1">
+                  <a:lumMod val="50000"/>
+                </a:schemeClr>
+              </a:solidFill>
+            </a:ln>
+          </p:spPr>
+          <p:style>
+            <a:lnRef idx="2">
+              <a:schemeClr val="accent3">
+                <a:shade val="50000"/>
+              </a:schemeClr>
+            </a:lnRef>
+            <a:fillRef idx="1">
+              <a:schemeClr val="accent3"/>
+            </a:fillRef>
+            <a:effectRef idx="0">
+              <a:schemeClr val="accent3"/>
+            </a:effectRef>
+            <a:fontRef idx="minor">
+              <a:schemeClr val="lt1"/>
+            </a:fontRef>
+          </p:style>
+          <p:txBody>
+            <a:bodyPr rtlCol="0" anchor="ctr"/>
+            <a:lstStyle/>
+            <a:p>
+              <a:pPr algn="ctr"/>
+              <a:r>
+                <a:rPr lang="en-US" altLang="zh-CN" dirty="0" smtClean="0">
+                  <a:solidFill>
+                    <a:schemeClr val="tx1"/>
+                  </a:solidFill>
+                </a:rPr>
+                <a:t>Time</a:t>
+              </a:r>
+            </a:p>
+            <a:p>
+              <a:pPr algn="ctr"/>
+              <a:r>
+                <a:rPr lang="en-US" altLang="zh-CN" dirty="0" smtClean="0">
+                  <a:solidFill>
+                    <a:schemeClr val="tx1"/>
+                  </a:solidFill>
+                </a:rPr>
+                <a:t>Hour of Day</a:t>
+              </a:r>
+              <a:endParaRPr lang="en-US" dirty="0">
+                <a:solidFill>
+                  <a:schemeClr val="tx1"/>
+                </a:solidFill>
+              </a:endParaRPr>
+            </a:p>
+          </p:txBody>
+        </p:sp>
+        <p:sp>
+          <p:nvSpPr>
+            <p:cNvPr id="46" name="Rectangle 45"/>
+            <p:cNvSpPr/>
+            <p:nvPr/>
+          </p:nvSpPr>
+          <p:spPr>
+            <a:xfrm>
+              <a:off x="1389185" y="1044839"/>
+              <a:ext cx="1389185" cy="967155"/>
+            </a:xfrm>
+            <a:prstGeom prst="rect">
+              <a:avLst/>
+            </a:prstGeom>
+            <a:solidFill>
+              <a:schemeClr val="accent1">
+                <a:lumMod val="60000"/>
+                <a:lumOff val="40000"/>
+              </a:schemeClr>
+            </a:solidFill>
+            <a:ln w="28575">
+              <a:solidFill>
+                <a:schemeClr val="accent1">
+                  <a:lumMod val="50000"/>
+                </a:schemeClr>
+              </a:solidFill>
+            </a:ln>
+          </p:spPr>
+          <p:style>
+            <a:lnRef idx="2">
+              <a:schemeClr val="accent3">
+                <a:shade val="50000"/>
+              </a:schemeClr>
+            </a:lnRef>
+            <a:fillRef idx="1">
+              <a:schemeClr val="accent3"/>
+            </a:fillRef>
+            <a:effectRef idx="0">
+              <a:schemeClr val="accent3"/>
+            </a:effectRef>
+            <a:fontRef idx="minor">
+              <a:schemeClr val="lt1"/>
+            </a:fontRef>
+          </p:style>
+          <p:txBody>
+            <a:bodyPr rtlCol="0" anchor="ctr"/>
+            <a:lstStyle/>
+            <a:p>
+              <a:pPr algn="ctr"/>
+              <a:r>
+                <a:rPr lang="en-US" dirty="0" smtClean="0">
+                  <a:solidFill>
+                    <a:schemeClr val="tx1"/>
+                  </a:solidFill>
+                </a:rPr>
+                <a:t>Time</a:t>
+              </a:r>
+            </a:p>
+            <a:p>
+              <a:pPr algn="ctr"/>
+              <a:r>
+                <a:rPr lang="en-US" dirty="0" smtClean="0">
+                  <a:solidFill>
+                    <a:schemeClr val="tx1"/>
+                  </a:solidFill>
+                </a:rPr>
+                <a:t>Day of Week</a:t>
               </a:r>
               <a:endParaRPr lang="en-US" dirty="0">
                 <a:solidFill>
